--- a/Attrition_predictor.pptx
+++ b/Attrition_predictor.pptx
@@ -13,6 +13,7 @@
     <p:sldId id="261" r:id="rId7"/>
     <p:sldId id="262" r:id="rId8"/>
     <p:sldId id="263" r:id="rId9"/>
+    <p:sldId id="264" r:id="rId10"/>
   </p:sldIdLst>
   <p:sldSz cx="12192000" cy="6858000"/>
   <p:notesSz cx="6858000" cy="9144000"/>
@@ -260,7 +261,7 @@
           <a:p>
             <a:fld id="{846CE7D5-CF57-46EF-B807-FDD0502418D4}" type="datetimeFigureOut">
               <a:rPr lang="en-US" smtClean="0"/>
-              <a:t>7/8/2024</a:t>
+              <a:t>7/9/2024</a:t>
             </a:fld>
             <a:endParaRPr lang="en-US"/>
           </a:p>
@@ -430,7 +431,7 @@
           <a:p>
             <a:fld id="{846CE7D5-CF57-46EF-B807-FDD0502418D4}" type="datetimeFigureOut">
               <a:rPr lang="en-US" smtClean="0"/>
-              <a:t>7/8/2024</a:t>
+              <a:t>7/9/2024</a:t>
             </a:fld>
             <a:endParaRPr lang="en-US"/>
           </a:p>
@@ -610,7 +611,7 @@
           <a:p>
             <a:fld id="{846CE7D5-CF57-46EF-B807-FDD0502418D4}" type="datetimeFigureOut">
               <a:rPr lang="en-US" smtClean="0"/>
-              <a:t>7/8/2024</a:t>
+              <a:t>7/9/2024</a:t>
             </a:fld>
             <a:endParaRPr lang="en-US"/>
           </a:p>
@@ -780,7 +781,7 @@
           <a:p>
             <a:fld id="{846CE7D5-CF57-46EF-B807-FDD0502418D4}" type="datetimeFigureOut">
               <a:rPr lang="en-US" smtClean="0"/>
-              <a:t>7/8/2024</a:t>
+              <a:t>7/9/2024</a:t>
             </a:fld>
             <a:endParaRPr lang="en-US"/>
           </a:p>
@@ -1026,7 +1027,7 @@
           <a:p>
             <a:fld id="{846CE7D5-CF57-46EF-B807-FDD0502418D4}" type="datetimeFigureOut">
               <a:rPr lang="en-US" smtClean="0"/>
-              <a:t>7/8/2024</a:t>
+              <a:t>7/9/2024</a:t>
             </a:fld>
             <a:endParaRPr lang="en-US"/>
           </a:p>
@@ -1258,7 +1259,7 @@
           <a:p>
             <a:fld id="{846CE7D5-CF57-46EF-B807-FDD0502418D4}" type="datetimeFigureOut">
               <a:rPr lang="en-US" smtClean="0"/>
-              <a:t>7/8/2024</a:t>
+              <a:t>7/9/2024</a:t>
             </a:fld>
             <a:endParaRPr lang="en-US"/>
           </a:p>
@@ -1625,7 +1626,7 @@
           <a:p>
             <a:fld id="{846CE7D5-CF57-46EF-B807-FDD0502418D4}" type="datetimeFigureOut">
               <a:rPr lang="en-US" smtClean="0"/>
-              <a:t>7/8/2024</a:t>
+              <a:t>7/9/2024</a:t>
             </a:fld>
             <a:endParaRPr lang="en-US"/>
           </a:p>
@@ -1743,7 +1744,7 @@
           <a:p>
             <a:fld id="{846CE7D5-CF57-46EF-B807-FDD0502418D4}" type="datetimeFigureOut">
               <a:rPr lang="en-US" smtClean="0"/>
-              <a:t>7/8/2024</a:t>
+              <a:t>7/9/2024</a:t>
             </a:fld>
             <a:endParaRPr lang="en-US"/>
           </a:p>
@@ -1838,7 +1839,7 @@
           <a:p>
             <a:fld id="{846CE7D5-CF57-46EF-B807-FDD0502418D4}" type="datetimeFigureOut">
               <a:rPr lang="en-US" smtClean="0"/>
-              <a:t>7/8/2024</a:t>
+              <a:t>7/9/2024</a:t>
             </a:fld>
             <a:endParaRPr lang="en-US"/>
           </a:p>
@@ -2115,7 +2116,7 @@
           <a:p>
             <a:fld id="{846CE7D5-CF57-46EF-B807-FDD0502418D4}" type="datetimeFigureOut">
               <a:rPr lang="en-US" smtClean="0"/>
-              <a:t>7/8/2024</a:t>
+              <a:t>7/9/2024</a:t>
             </a:fld>
             <a:endParaRPr lang="en-US"/>
           </a:p>
@@ -2372,7 +2373,7 @@
           <a:p>
             <a:fld id="{846CE7D5-CF57-46EF-B807-FDD0502418D4}" type="datetimeFigureOut">
               <a:rPr lang="en-US" smtClean="0"/>
-              <a:t>7/8/2024</a:t>
+              <a:t>7/9/2024</a:t>
             </a:fld>
             <a:endParaRPr lang="en-US"/>
           </a:p>
@@ -2585,7 +2586,7 @@
           <a:p>
             <a:fld id="{846CE7D5-CF57-46EF-B807-FDD0502418D4}" type="datetimeFigureOut">
               <a:rPr lang="en-US" smtClean="0"/>
-              <a:t>7/8/2024</a:t>
+              <a:t>7/9/2024</a:t>
             </a:fld>
             <a:endParaRPr lang="en-US"/>
           </a:p>
@@ -4260,6 +4261,107 @@
 </p:sld>
 </file>
 
+<file path=ppt/slides/slide9.xml><?xml version="1.0" encoding="utf-8"?>
+<p:sld xmlns:a="http://schemas.openxmlformats.org/drawingml/2006/main" xmlns:r="http://schemas.openxmlformats.org/officeDocument/2006/relationships" xmlns:p="http://schemas.openxmlformats.org/presentationml/2006/main">
+  <p:cSld>
+    <p:spTree>
+      <p:nvGrpSpPr>
+        <p:cNvPr id="1" name=""/>
+        <p:cNvGrpSpPr/>
+        <p:nvPr/>
+      </p:nvGrpSpPr>
+      <p:grpSpPr>
+        <a:xfrm>
+          <a:off x="0" y="0"/>
+          <a:ext cx="0" cy="0"/>
+          <a:chOff x="0" y="0"/>
+          <a:chExt cx="0" cy="0"/>
+        </a:xfrm>
+      </p:grpSpPr>
+      <p:sp>
+        <p:nvSpPr>
+          <p:cNvPr id="2" name="Title 1">
+            <a:extLst>
+              <a:ext uri="{FF2B5EF4-FFF2-40B4-BE49-F238E27FC236}">
+                <a16:creationId xmlns:a16="http://schemas.microsoft.com/office/drawing/2014/main" id="{6782B433-18ED-5FDF-32EF-00C14CCCE9B5}"/>
+              </a:ext>
+            </a:extLst>
+          </p:cNvPr>
+          <p:cNvSpPr>
+            <a:spLocks noGrp="1"/>
+          </p:cNvSpPr>
+          <p:nvPr>
+            <p:ph type="title"/>
+          </p:nvPr>
+        </p:nvSpPr>
+        <p:spPr/>
+        <p:txBody>
+          <a:bodyPr/>
+          <a:lstStyle/>
+          <a:p>
+            <a:r>
+              <a:rPr lang="en-GB" dirty="0"/>
+              <a:t>Summary</a:t>
+            </a:r>
+          </a:p>
+        </p:txBody>
+      </p:sp>
+      <p:sp>
+        <p:nvSpPr>
+          <p:cNvPr id="3" name="Content Placeholder 2">
+            <a:extLst>
+              <a:ext uri="{FF2B5EF4-FFF2-40B4-BE49-F238E27FC236}">
+                <a16:creationId xmlns:a16="http://schemas.microsoft.com/office/drawing/2014/main" id="{85F79995-1D90-058F-2B45-302FFC41C936}"/>
+              </a:ext>
+            </a:extLst>
+          </p:cNvPr>
+          <p:cNvSpPr>
+            <a:spLocks noGrp="1"/>
+          </p:cNvSpPr>
+          <p:nvPr>
+            <p:ph idx="1"/>
+          </p:nvPr>
+        </p:nvSpPr>
+        <p:spPr/>
+        <p:txBody>
+          <a:bodyPr/>
+          <a:lstStyle/>
+          <a:p>
+            <a:pPr marL="0" indent="0">
+              <a:buNone/>
+            </a:pPr>
+            <a:r>
+              <a:rPr lang="en-GB" dirty="0"/>
+              <a:t>From the confusion matrix, the classifier does very well on no attrition, correctly labelling all the samples.  It does less well on attrition, getting all but one wrong.</a:t>
+            </a:r>
+          </a:p>
+          <a:p>
+            <a:endParaRPr lang="en-GB" dirty="0"/>
+          </a:p>
+          <a:p>
+            <a:pPr marL="0" indent="0">
+              <a:buNone/>
+            </a:pPr>
+            <a:r>
+              <a:rPr lang="en-GB" dirty="0"/>
+              <a:t>From the classification report, the precision (the ability of a classifier not to label a negative sample as positive) is good for both attrition and no attrition.  The recall (the ability of a classifier to find all the positive samples) is good for attrition but bad for no attrition. </a:t>
+            </a:r>
+          </a:p>
+        </p:txBody>
+      </p:sp>
+    </p:spTree>
+    <p:extLst>
+      <p:ext uri="{BB962C8B-B14F-4D97-AF65-F5344CB8AC3E}">
+        <p14:creationId xmlns:p14="http://schemas.microsoft.com/office/powerpoint/2010/main" val="246076321"/>
+      </p:ext>
+    </p:extLst>
+  </p:cSld>
+  <p:clrMapOvr>
+    <a:masterClrMapping/>
+  </p:clrMapOvr>
+</p:sld>
+</file>
+
 <file path=ppt/theme/theme1.xml><?xml version="1.0" encoding="utf-8"?>
 <a:theme xmlns:a="http://schemas.openxmlformats.org/drawingml/2006/main" name="office theme">
   <a:themeElements>
